--- a/PastaDocumentos/Pitch-Projeto.pptx
+++ b/PastaDocumentos/Pitch-Projeto.pptx
@@ -104,6 +104,11 @@
       </a:defRPr>
     </a:lvl9pPr>
   </p:defaultTextStyle>
+  <p:extLst>
+    <p:ext uri="{EFAFB233-063F-42B5-8137-9DF3F51BA10A}">
+      <p15:sldGuideLst xmlns:p15="http://schemas.microsoft.com/office/powerpoint/2012/main"/>
+    </p:ext>
+  </p:extLst>
 </p:presentation>
 </file>
 
@@ -3343,10 +3348,18 @@
           <a:lstStyle/>
           <a:p>
             <a:r>
-              <a:rPr lang="pt-BR" dirty="0" err="1"/>
+              <a:rPr lang="pt-BR" dirty="0" err="1">
+                <a:highlight>
+                  <a:srgbClr val="00FF00"/>
+                </a:highlight>
+              </a:rPr>
               <a:t>Pitch</a:t>
             </a:r>
-            <a:endParaRPr lang="pt-BR" dirty="0"/>
+            <a:endParaRPr lang="pt-BR" dirty="0">
+              <a:highlight>
+                <a:srgbClr val="00FF00"/>
+              </a:highlight>
+            </a:endParaRPr>
           </a:p>
         </p:txBody>
       </p:sp>
@@ -3372,19 +3385,35 @@
           <a:lstStyle/>
           <a:p>
             <a:r>
-              <a:rPr lang="pt-BR" dirty="0"/>
+              <a:rPr lang="pt-BR" dirty="0">
+                <a:highlight>
+                  <a:srgbClr val="00FF00"/>
+                </a:highlight>
+              </a:rPr>
               <a:t>Projeto exemplo </a:t>
             </a:r>
             <a:r>
-              <a:rPr lang="pt-BR" dirty="0" err="1"/>
+              <a:rPr lang="pt-BR" dirty="0" err="1">
+                <a:highlight>
+                  <a:srgbClr val="00FF00"/>
+                </a:highlight>
+              </a:rPr>
               <a:t>git</a:t>
             </a:r>
             <a:r>
-              <a:rPr lang="pt-BR" dirty="0"/>
+              <a:rPr lang="pt-BR" dirty="0">
+                <a:highlight>
+                  <a:srgbClr val="00FF00"/>
+                </a:highlight>
+              </a:rPr>
               <a:t> - </a:t>
             </a:r>
             <a:r>
-              <a:rPr lang="pt-BR"/>
+              <a:rPr lang="pt-BR">
+                <a:highlight>
+                  <a:srgbClr val="00FF00"/>
+                </a:highlight>
+              </a:rPr>
               <a:t>sipf</a:t>
             </a:r>
           </a:p>

--- a/PastaDocumentos/Pitch-Projeto.pptx
+++ b/PastaDocumentos/Pitch-Projeto.pptx
@@ -3348,18 +3348,10 @@
           <a:lstStyle/>
           <a:p>
             <a:r>
-              <a:rPr lang="pt-BR" dirty="0" err="1">
-                <a:highlight>
-                  <a:srgbClr val="00FF00"/>
-                </a:highlight>
-              </a:rPr>
+              <a:rPr lang="pt-BR" dirty="0" err="1"/>
               <a:t>Pitch</a:t>
             </a:r>
-            <a:endParaRPr lang="pt-BR" dirty="0">
-              <a:highlight>
-                <a:srgbClr val="00FF00"/>
-              </a:highlight>
-            </a:endParaRPr>
+            <a:endParaRPr lang="pt-BR" dirty="0"/>
           </a:p>
         </p:txBody>
       </p:sp>
@@ -3385,37 +3377,67 @@
           <a:lstStyle/>
           <a:p>
             <a:r>
-              <a:rPr lang="pt-BR" dirty="0">
-                <a:highlight>
-                  <a:srgbClr val="00FF00"/>
-                </a:highlight>
-              </a:rPr>
+              <a:rPr lang="pt-BR" dirty="0"/>
               <a:t>Projeto exemplo </a:t>
             </a:r>
             <a:r>
-              <a:rPr lang="pt-BR" dirty="0" err="1">
-                <a:highlight>
-                  <a:srgbClr val="00FF00"/>
-                </a:highlight>
-              </a:rPr>
+              <a:rPr lang="pt-BR" dirty="0" err="1"/>
               <a:t>git</a:t>
             </a:r>
             <a:r>
-              <a:rPr lang="pt-BR" dirty="0">
-                <a:highlight>
-                  <a:srgbClr val="00FF00"/>
-                </a:highlight>
-              </a:rPr>
+              <a:rPr lang="pt-BR" dirty="0"/>
               <a:t> - </a:t>
             </a:r>
             <a:r>
-              <a:rPr lang="pt-BR">
-                <a:highlight>
-                  <a:srgbClr val="00FF00"/>
-                </a:highlight>
-              </a:rPr>
+              <a:rPr lang="pt-BR"/>
               <a:t>sipf</a:t>
             </a:r>
+          </a:p>
+        </p:txBody>
+      </p:sp>
+      <p:sp>
+        <p:nvSpPr>
+          <p:cNvPr id="4" name="Elipse 3">
+            <a:extLst>
+              <a:ext uri="{FF2B5EF4-FFF2-40B4-BE49-F238E27FC236}">
+                <a16:creationId xmlns:a16="http://schemas.microsoft.com/office/drawing/2014/main" id="{2F9E3E5C-BD4B-6F13-D554-0A9C9B0AE96F}"/>
+              </a:ext>
+            </a:extLst>
+          </p:cNvPr>
+          <p:cNvSpPr/>
+          <p:nvPr/>
+        </p:nvSpPr>
+        <p:spPr>
+          <a:xfrm>
+            <a:off x="1091954" y="363946"/>
+            <a:ext cx="1435224" cy="4065973"/>
+          </a:xfrm>
+          <a:prstGeom prst="ellipse">
+            <a:avLst/>
+          </a:prstGeom>
+        </p:spPr>
+        <p:style>
+          <a:lnRef idx="2">
+            <a:schemeClr val="accent1">
+              <a:shade val="15000"/>
+            </a:schemeClr>
+          </a:lnRef>
+          <a:fillRef idx="1">
+            <a:schemeClr val="accent1"/>
+          </a:fillRef>
+          <a:effectRef idx="0">
+            <a:schemeClr val="accent1"/>
+          </a:effectRef>
+          <a:fontRef idx="minor">
+            <a:schemeClr val="lt1"/>
+          </a:fontRef>
+        </p:style>
+        <p:txBody>
+          <a:bodyPr rtlCol="0" anchor="ctr"/>
+          <a:lstStyle/>
+          <a:p>
+            <a:pPr algn="ctr"/>
+            <a:endParaRPr lang="pt-BR"/>
           </a:p>
         </p:txBody>
       </p:sp>
